--- a/Group Project Presentation.pptx
+++ b/Group Project Presentation.pptx
@@ -7,14 +7,15 @@
   <p:sldIdLst>
     <p:sldId id="256" r:id="rId2"/>
     <p:sldId id="257" r:id="rId3"/>
-    <p:sldId id="261" r:id="rId4"/>
-    <p:sldId id="258" r:id="rId5"/>
-    <p:sldId id="262" r:id="rId6"/>
-    <p:sldId id="263" r:id="rId7"/>
-    <p:sldId id="259" r:id="rId8"/>
-    <p:sldId id="264" r:id="rId9"/>
-    <p:sldId id="265" r:id="rId10"/>
-    <p:sldId id="260" r:id="rId11"/>
+    <p:sldId id="258" r:id="rId4"/>
+    <p:sldId id="259" r:id="rId5"/>
+    <p:sldId id="260" r:id="rId6"/>
+    <p:sldId id="266" r:id="rId7"/>
+    <p:sldId id="261" r:id="rId8"/>
+    <p:sldId id="262" r:id="rId9"/>
+    <p:sldId id="263" r:id="rId10"/>
+    <p:sldId id="264" r:id="rId11"/>
+    <p:sldId id="265" r:id="rId12"/>
   </p:sldIdLst>
   <p:sldSz cx="12192000" cy="6858000"/>
   <p:notesSz cx="6858000" cy="9144000"/>
@@ -6199,272 +6200,214 @@
           <a:chExt cx="0" cy="0"/>
         </a:xfrm>
       </p:grpSpPr>
-      <p:pic>
-        <p:nvPicPr>
-          <p:cNvPr id="5124" name="Picture 4" descr="Image result for stock market">
-            <a:extLst>
-              <a:ext uri="{FF2B5EF4-FFF2-40B4-BE49-F238E27FC236}">
-                <a16:creationId xmlns:a16="http://schemas.microsoft.com/office/drawing/2014/main" id="{F16A6DE8-BD64-4857-863F-484BA46E6B48}"/>
-              </a:ext>
-            </a:extLst>
-          </p:cNvPr>
-          <p:cNvPicPr>
-            <a:picLocks noChangeAspect="1" noChangeArrowheads="1"/>
-          </p:cNvPicPr>
-          <p:nvPr/>
-        </p:nvPicPr>
-        <p:blipFill>
-          <a:blip r:embed="rId2">
-            <a:extLst>
-              <a:ext uri="{28A0092B-C50C-407E-A947-70E740481C1C}">
-                <a14:useLocalDpi xmlns:a14="http://schemas.microsoft.com/office/drawing/2010/main" val="0"/>
-              </a:ext>
-            </a:extLst>
-          </a:blip>
-          <a:srcRect/>
-          <a:stretch>
-            <a:fillRect/>
-          </a:stretch>
-        </p:blipFill>
-        <p:spPr bwMode="auto">
-          <a:xfrm>
-            <a:off x="0" y="0"/>
-            <a:ext cx="12192000" cy="6858000"/>
-          </a:xfrm>
-          <a:prstGeom prst="rect">
-            <a:avLst/>
-          </a:prstGeom>
-          <a:noFill/>
-          <a:extLst>
-            <a:ext uri="{909E8E84-426E-40DD-AFC4-6F175D3DCCD1}">
-              <a14:hiddenFill xmlns:a14="http://schemas.microsoft.com/office/drawing/2010/main">
-                <a:solidFill>
-                  <a:srgbClr val="FFFFFF"/>
-                </a:solidFill>
-              </a14:hiddenFill>
-            </a:ext>
-          </a:extLst>
-        </p:spPr>
-      </p:pic>
       <p:sp>
         <p:nvSpPr>
-          <p:cNvPr id="9" name="TextBox 8">
-            <a:extLst>
-              <a:ext uri="{FF2B5EF4-FFF2-40B4-BE49-F238E27FC236}">
-                <a16:creationId xmlns:a16="http://schemas.microsoft.com/office/drawing/2014/main" id="{0D8E630C-BEDA-4CC3-845A-F8FED55B5A96}"/>
-              </a:ext>
-            </a:extLst>
-          </p:cNvPr>
-          <p:cNvSpPr txBox="1"/>
-          <p:nvPr/>
+          <p:cNvPr id="2" name="Title 1">
+            <a:extLst>
+              <a:ext uri="{FF2B5EF4-FFF2-40B4-BE49-F238E27FC236}">
+                <a16:creationId xmlns:a16="http://schemas.microsoft.com/office/drawing/2014/main" id="{B8507890-5BD9-47E9-88AA-9CA28A356A96}"/>
+              </a:ext>
+            </a:extLst>
+          </p:cNvPr>
+          <p:cNvSpPr>
+            <a:spLocks noGrp="1"/>
+          </p:cNvSpPr>
+          <p:nvPr>
+            <p:ph type="title"/>
+          </p:nvPr>
         </p:nvSpPr>
-        <p:spPr>
-          <a:xfrm>
-            <a:off x="314325" y="219075"/>
-            <a:ext cx="3657600" cy="584775"/>
-          </a:xfrm>
-          <a:prstGeom prst="rect">
-            <a:avLst/>
-          </a:prstGeom>
-          <a:noFill/>
-        </p:spPr>
+        <p:spPr/>
         <p:txBody>
-          <a:bodyPr wrap="square" rtlCol="0">
-            <a:spAutoFit/>
-          </a:bodyPr>
+          <a:bodyPr/>
           <a:lstStyle/>
           <a:p>
             <a:r>
-              <a:rPr lang="en-CA" sz="3200" dirty="0">
-                <a:solidFill>
-                  <a:schemeClr val="bg1"/>
-                </a:solidFill>
-                <a:latin typeface="Agency FB" panose="020B0503020202020204" pitchFamily="34" charset="0"/>
-              </a:rPr>
-              <a:t>Incomplete Story</a:t>
-            </a:r>
-            <a:endParaRPr lang="en-CA" dirty="0">
-              <a:solidFill>
-                <a:schemeClr val="bg1"/>
-              </a:solidFill>
-              <a:latin typeface="Agency FB" panose="020B0503020202020204" pitchFamily="34" charset="0"/>
-            </a:endParaRPr>
+              <a:rPr lang="en-US" dirty="0"/>
+              <a:t>Market Sector - Key Findings</a:t>
+            </a:r>
+            <a:endParaRPr lang="en-CA" dirty="0"/>
           </a:p>
         </p:txBody>
       </p:sp>
       <p:sp>
         <p:nvSpPr>
-          <p:cNvPr id="7" name="TextBox 6">
-            <a:extLst>
-              <a:ext uri="{FF2B5EF4-FFF2-40B4-BE49-F238E27FC236}">
-                <a16:creationId xmlns:a16="http://schemas.microsoft.com/office/drawing/2014/main" id="{A8734A5E-17F9-41E5-8128-B418A975585A}"/>
-              </a:ext>
-            </a:extLst>
-          </p:cNvPr>
-          <p:cNvSpPr txBox="1"/>
-          <p:nvPr/>
+          <p:cNvPr id="3" name="Content Placeholder 2">
+            <a:extLst>
+              <a:ext uri="{FF2B5EF4-FFF2-40B4-BE49-F238E27FC236}">
+                <a16:creationId xmlns:a16="http://schemas.microsoft.com/office/drawing/2014/main" id="{4385BF05-AC51-4AF2-8C11-45D05A553CB1}"/>
+              </a:ext>
+            </a:extLst>
+          </p:cNvPr>
+          <p:cNvSpPr>
+            <a:spLocks noGrp="1"/>
+          </p:cNvSpPr>
+          <p:nvPr>
+            <p:ph idx="1"/>
+          </p:nvPr>
         </p:nvSpPr>
-        <p:spPr>
-          <a:xfrm>
-            <a:off x="212863" y="1171574"/>
-            <a:ext cx="10322615" cy="3785652"/>
-          </a:xfrm>
-          <a:prstGeom prst="rect">
-            <a:avLst/>
-          </a:prstGeom>
-          <a:noFill/>
-        </p:spPr>
+        <p:spPr/>
         <p:txBody>
-          <a:bodyPr wrap="square" rtlCol="0">
-            <a:spAutoFit/>
+          <a:bodyPr>
+            <a:normAutofit/>
           </a:bodyPr>
           <a:lstStyle/>
           <a:p>
             <a:r>
-              <a:rPr lang="en-CA" sz="2000" dirty="0">
-                <a:solidFill>
-                  <a:schemeClr val="bg1"/>
-                </a:solidFill>
-                <a:latin typeface="Agency FB" panose="020B0503020202020204" pitchFamily="34" charset="0"/>
-              </a:rPr>
-              <a:t>Effect of other untested factors</a:t>
-            </a:r>
-          </a:p>
-          <a:p>
-            <a:pPr lvl="1"/>
-            <a:r>
-              <a:rPr lang="en-CA" sz="2000" dirty="0">
-                <a:solidFill>
-                  <a:schemeClr val="bg1"/>
-                </a:solidFill>
-                <a:latin typeface="Agency FB" panose="020B0503020202020204" pitchFamily="34" charset="0"/>
-              </a:rPr>
-              <a:t>Mergers &amp; </a:t>
-            </a:r>
-            <a:r>
-              <a:rPr lang="en-CA" sz="2000" dirty="0" err="1">
-                <a:solidFill>
-                  <a:schemeClr val="bg1"/>
-                </a:solidFill>
-                <a:latin typeface="Agency FB" panose="020B0503020202020204" pitchFamily="34" charset="0"/>
-              </a:rPr>
-              <a:t>Acquisitinos</a:t>
-            </a:r>
-            <a:endParaRPr lang="en-CA" sz="2000" dirty="0">
-              <a:solidFill>
-                <a:schemeClr val="bg1"/>
-              </a:solidFill>
-              <a:latin typeface="Agency FB" panose="020B0503020202020204" pitchFamily="34" charset="0"/>
-            </a:endParaRPr>
-          </a:p>
-          <a:p>
-            <a:pPr lvl="1"/>
-            <a:r>
-              <a:rPr lang="en-CA" sz="2000" dirty="0">
-                <a:solidFill>
-                  <a:schemeClr val="bg1"/>
-                </a:solidFill>
-                <a:latin typeface="Agency FB" panose="020B0503020202020204" pitchFamily="34" charset="0"/>
-              </a:rPr>
-              <a:t>Political Events</a:t>
-            </a:r>
-          </a:p>
-          <a:p>
-            <a:pPr lvl="1"/>
-            <a:r>
-              <a:rPr lang="en-CA" sz="2000" dirty="0">
-                <a:solidFill>
-                  <a:schemeClr val="bg1"/>
-                </a:solidFill>
-                <a:latin typeface="Agency FB" panose="020B0503020202020204" pitchFamily="34" charset="0"/>
-              </a:rPr>
-              <a:t>Recessions</a:t>
-            </a:r>
-          </a:p>
-          <a:p>
-            <a:pPr lvl="1"/>
-            <a:r>
-              <a:rPr lang="en-CA" sz="2000" dirty="0">
-                <a:solidFill>
-                  <a:schemeClr val="bg1"/>
-                </a:solidFill>
-                <a:latin typeface="Agency FB" panose="020B0503020202020204" pitchFamily="34" charset="0"/>
-              </a:rPr>
-              <a:t>Natural Disasters and Epidemics</a:t>
-            </a:r>
-          </a:p>
-          <a:p>
-            <a:pPr lvl="1"/>
-            <a:endParaRPr lang="en-CA" sz="2000" dirty="0">
-              <a:solidFill>
-                <a:schemeClr val="bg1"/>
-              </a:solidFill>
-              <a:latin typeface="Agency FB" panose="020B0503020202020204" pitchFamily="34" charset="0"/>
-            </a:endParaRPr>
-          </a:p>
-          <a:p>
-            <a:endParaRPr lang="en-CA" sz="2000" dirty="0">
-              <a:solidFill>
-                <a:schemeClr val="bg1"/>
-              </a:solidFill>
-              <a:latin typeface="Agency FB" panose="020B0503020202020204" pitchFamily="34" charset="0"/>
-            </a:endParaRPr>
-          </a:p>
-          <a:p>
-            <a:r>
-              <a:rPr lang="en-CA" sz="2000" dirty="0">
-                <a:solidFill>
-                  <a:schemeClr val="bg1"/>
-                </a:solidFill>
-                <a:latin typeface="Agency FB" panose="020B0503020202020204" pitchFamily="34" charset="0"/>
-              </a:rPr>
-              <a:t>Correlation vs causation</a:t>
-            </a:r>
-          </a:p>
-          <a:p>
-            <a:r>
-              <a:rPr lang="en-CA" sz="2000" dirty="0">
-                <a:solidFill>
-                  <a:schemeClr val="bg1"/>
-                </a:solidFill>
-                <a:latin typeface="Agency FB" panose="020B0503020202020204" pitchFamily="34" charset="0"/>
-              </a:rPr>
-              <a:t>	</a:t>
-            </a:r>
-          </a:p>
-          <a:p>
-            <a:endParaRPr lang="en-CA" sz="2000" dirty="0">
-              <a:solidFill>
-                <a:schemeClr val="bg1"/>
-              </a:solidFill>
-              <a:latin typeface="Agency FB" panose="020B0503020202020204" pitchFamily="34" charset="0"/>
-            </a:endParaRPr>
-          </a:p>
-          <a:p>
-            <a:r>
-              <a:rPr lang="en-CA" sz="2000" dirty="0">
-                <a:solidFill>
-                  <a:schemeClr val="bg1"/>
-                </a:solidFill>
-                <a:latin typeface="Agency FB" panose="020B0503020202020204" pitchFamily="34" charset="0"/>
-              </a:rPr>
-              <a:t>Practicality</a:t>
-            </a:r>
-          </a:p>
-          <a:p>
-            <a:endParaRPr lang="en-CA" sz="2000" dirty="0">
-              <a:solidFill>
-                <a:schemeClr val="bg1"/>
-              </a:solidFill>
-              <a:latin typeface="Agency FB" panose="020B0503020202020204" pitchFamily="34" charset="0"/>
-            </a:endParaRPr>
+              <a:rPr lang="en-CA" dirty="0"/>
+              <a:t>Energy (0.36) and Material (0.36) Sector correlation are higher as sales growth are driven by their respective commodity prices (Oil and Gold), which are traded daily in markets and which Financial Market Participants can value before financial results are reported.</a:t>
+            </a:r>
+          </a:p>
+          <a:p>
+            <a:r>
+              <a:rPr lang="en-CA" dirty="0"/>
+              <a:t>The Real Estate Sector has the lowest correlation (0.14) as Real Estate is valued by market participants by NAV (Net Asset Value Per Share) due to share dilution </a:t>
+            </a:r>
+          </a:p>
+          <a:p>
+            <a:r>
+              <a:rPr lang="en-CA" dirty="0"/>
+              <a:t>The Utilities Sector also has a lower correlation (0.23) as sales are fixed due to the regulated nature of the business sector.  </a:t>
+            </a:r>
+          </a:p>
+          <a:p>
+            <a:endParaRPr lang="en-CA" dirty="0"/>
+          </a:p>
+          <a:p>
+            <a:endParaRPr lang="en-CA" dirty="0"/>
+          </a:p>
+          <a:p>
+            <a:endParaRPr lang="en-CA" dirty="0"/>
           </a:p>
         </p:txBody>
       </p:sp>
     </p:spTree>
     <p:extLst>
       <p:ext uri="{BB962C8B-B14F-4D97-AF65-F5344CB8AC3E}">
-        <p14:creationId xmlns:p14="http://schemas.microsoft.com/office/powerpoint/2010/main" val="1496373656"/>
+        <p14:creationId xmlns:p14="http://schemas.microsoft.com/office/powerpoint/2010/main" val="4150524541"/>
+      </p:ext>
+    </p:extLst>
+  </p:cSld>
+  <p:clrMapOvr>
+    <a:masterClrMapping/>
+  </p:clrMapOvr>
+</p:sld>
+</file>
+
+<file path=ppt/slides/slide11.xml><?xml version="1.0" encoding="utf-8"?>
+<p:sld xmlns:a="http://schemas.openxmlformats.org/drawingml/2006/main" xmlns:r="http://schemas.openxmlformats.org/officeDocument/2006/relationships" xmlns:p="http://schemas.openxmlformats.org/presentationml/2006/main">
+  <p:cSld>
+    <p:spTree>
+      <p:nvGrpSpPr>
+        <p:cNvPr id="1" name=""/>
+        <p:cNvGrpSpPr/>
+        <p:nvPr/>
+      </p:nvGrpSpPr>
+      <p:grpSpPr>
+        <a:xfrm>
+          <a:off x="0" y="0"/>
+          <a:ext cx="0" cy="0"/>
+          <a:chOff x="0" y="0"/>
+          <a:chExt cx="0" cy="0"/>
+        </a:xfrm>
+      </p:grpSpPr>
+      <p:sp>
+        <p:nvSpPr>
+          <p:cNvPr id="2" name="Title 1">
+            <a:extLst>
+              <a:ext uri="{FF2B5EF4-FFF2-40B4-BE49-F238E27FC236}">
+                <a16:creationId xmlns:a16="http://schemas.microsoft.com/office/drawing/2014/main" id="{F1AE0E5C-C6E9-4F11-8589-58E8038EAF8D}"/>
+              </a:ext>
+            </a:extLst>
+          </p:cNvPr>
+          <p:cNvSpPr>
+            <a:spLocks noGrp="1"/>
+          </p:cNvSpPr>
+          <p:nvPr>
+            <p:ph type="title"/>
+          </p:nvPr>
+        </p:nvSpPr>
+        <p:spPr/>
+        <p:txBody>
+          <a:bodyPr/>
+          <a:lstStyle/>
+          <a:p>
+            <a:r>
+              <a:rPr lang="en-US" dirty="0"/>
+              <a:t>Limitations &amp; Biases</a:t>
+            </a:r>
+            <a:endParaRPr lang="en-CA" dirty="0"/>
+          </a:p>
+        </p:txBody>
+      </p:sp>
+      <p:sp>
+        <p:nvSpPr>
+          <p:cNvPr id="3" name="Content Placeholder 2">
+            <a:extLst>
+              <a:ext uri="{FF2B5EF4-FFF2-40B4-BE49-F238E27FC236}">
+                <a16:creationId xmlns:a16="http://schemas.microsoft.com/office/drawing/2014/main" id="{20517F38-14FD-42F0-A501-EA5F18E92E4F}"/>
+              </a:ext>
+            </a:extLst>
+          </p:cNvPr>
+          <p:cNvSpPr>
+            <a:spLocks noGrp="1"/>
+          </p:cNvSpPr>
+          <p:nvPr>
+            <p:ph idx="1"/>
+          </p:nvPr>
+        </p:nvSpPr>
+        <p:spPr>
+          <a:xfrm>
+            <a:off x="838200" y="1391478"/>
+            <a:ext cx="10515600" cy="4785485"/>
+          </a:xfrm>
+        </p:spPr>
+        <p:txBody>
+          <a:bodyPr>
+            <a:normAutofit/>
+          </a:bodyPr>
+          <a:lstStyle/>
+          <a:p>
+            <a:r>
+              <a:rPr lang="en-CA" dirty="0"/>
+              <a:t>Stock markets opening in various time zones causes results from end of day in one market to influence decisions made in another market</a:t>
+            </a:r>
+          </a:p>
+          <a:p>
+            <a:r>
+              <a:rPr lang="en-CA" dirty="0"/>
+              <a:t>Fiscal year-end is not consistent across all organizations, and Financial reports are not all released at the same approximate time</a:t>
+            </a:r>
+          </a:p>
+          <a:p>
+            <a:r>
+              <a:rPr lang="en-CA" dirty="0"/>
+              <a:t>We only took stocks traded by one financial institution, so our sample data was slightly biased towards what that particular company trades</a:t>
+            </a:r>
+          </a:p>
+          <a:p>
+            <a:r>
+              <a:rPr lang="en-CA" dirty="0"/>
+              <a:t>We removed companies with incomplete data (not all quarters were available)</a:t>
+            </a:r>
+          </a:p>
+          <a:p>
+            <a:r>
+              <a:rPr lang="en-CA" dirty="0"/>
+              <a:t>We removed companies which reported their Financial in a different month than the Fiscal quarter</a:t>
+            </a:r>
+          </a:p>
+          <a:p>
+            <a:endParaRPr lang="en-CA" dirty="0"/>
+          </a:p>
+          <a:p>
+            <a:endParaRPr lang="en-CA" dirty="0"/>
+          </a:p>
+        </p:txBody>
+      </p:sp>
+    </p:spTree>
+    <p:extLst>
+      <p:ext uri="{BB962C8B-B14F-4D97-AF65-F5344CB8AC3E}">
+        <p14:creationId xmlns:p14="http://schemas.microsoft.com/office/powerpoint/2010/main" val="148895388"/>
       </p:ext>
     </p:extLst>
   </p:cSld>
@@ -6683,141 +6626,6 @@
           <a:chExt cx="0" cy="0"/>
         </a:xfrm>
       </p:grpSpPr>
-      <p:sp>
-        <p:nvSpPr>
-          <p:cNvPr id="2" name="Title 1">
-            <a:extLst>
-              <a:ext uri="{FF2B5EF4-FFF2-40B4-BE49-F238E27FC236}">
-                <a16:creationId xmlns:a16="http://schemas.microsoft.com/office/drawing/2014/main" id="{725FC834-0270-4661-873D-1F1E516A47A2}"/>
-              </a:ext>
-            </a:extLst>
-          </p:cNvPr>
-          <p:cNvSpPr>
-            <a:spLocks noGrp="1"/>
-          </p:cNvSpPr>
-          <p:nvPr>
-            <p:ph type="title"/>
-          </p:nvPr>
-        </p:nvSpPr>
-        <p:spPr>
-          <a:xfrm>
-            <a:off x="838200" y="365126"/>
-            <a:ext cx="10515600" cy="920336"/>
-          </a:xfrm>
-        </p:spPr>
-        <p:txBody>
-          <a:bodyPr/>
-          <a:lstStyle/>
-          <a:p>
-            <a:r>
-              <a:rPr lang="en-US" dirty="0"/>
-              <a:t>Data Collection and Processing</a:t>
-            </a:r>
-            <a:endParaRPr lang="en-CA" dirty="0"/>
-          </a:p>
-        </p:txBody>
-      </p:sp>
-      <p:sp>
-        <p:nvSpPr>
-          <p:cNvPr id="3" name="Content Placeholder 2">
-            <a:extLst>
-              <a:ext uri="{FF2B5EF4-FFF2-40B4-BE49-F238E27FC236}">
-                <a16:creationId xmlns:a16="http://schemas.microsoft.com/office/drawing/2014/main" id="{3B43D2E0-0789-48A5-BBD8-A581C59753AE}"/>
-              </a:ext>
-            </a:extLst>
-          </p:cNvPr>
-          <p:cNvSpPr>
-            <a:spLocks noGrp="1"/>
-          </p:cNvSpPr>
-          <p:nvPr>
-            <p:ph idx="1"/>
-          </p:nvPr>
-        </p:nvSpPr>
-        <p:spPr/>
-        <p:txBody>
-          <a:bodyPr>
-            <a:normAutofit fontScale="92500" lnSpcReduction="20000"/>
-          </a:bodyPr>
-          <a:lstStyle/>
-          <a:p>
-            <a:r>
-              <a:rPr lang="en-US" dirty="0"/>
-              <a:t>Data used for this analysis consisted:</a:t>
-            </a:r>
-          </a:p>
-          <a:p>
-            <a:pPr lvl="1"/>
-            <a:r>
-              <a:rPr lang="en-US" dirty="0"/>
-              <a:t>A csv file of stock code, company name, quarterly sales, and quarterly market value from March 2007 to September 2018</a:t>
-            </a:r>
-          </a:p>
-          <a:p>
-            <a:pPr lvl="1"/>
-            <a:r>
-              <a:rPr lang="en-US" dirty="0"/>
-              <a:t>A csv file of stock code, company name, and stock sector/industry</a:t>
-            </a:r>
-          </a:p>
-          <a:p>
-            <a:r>
-              <a:rPr lang="en-US" dirty="0"/>
-              <a:t>The two files were joined and rows with null or empty values for any of the financial data points were removed</a:t>
-            </a:r>
-          </a:p>
-          <a:p>
-            <a:r>
-              <a:rPr lang="en-US" dirty="0"/>
-              <a:t>Company sales growth (%) quarter-over-quarter, and year-over-year were calculated and added as columns to the source file</a:t>
-            </a:r>
-          </a:p>
-          <a:p>
-            <a:r>
-              <a:rPr lang="en-US" dirty="0"/>
-              <a:t>Company market value growth (%) quarter-over-quarter and year-over-year were calculated and added as columns to the source file</a:t>
-            </a:r>
-          </a:p>
-          <a:p>
-            <a:r>
-              <a:rPr lang="en-US" dirty="0"/>
-              <a:t>A scatter plot was created to show whether there is any correlation between the growth of company sales to their growth of market value. See Figure 1.</a:t>
-            </a:r>
-          </a:p>
-          <a:p>
-            <a:endParaRPr lang="en-CA" dirty="0"/>
-          </a:p>
-        </p:txBody>
-      </p:sp>
-    </p:spTree>
-    <p:extLst>
-      <p:ext uri="{BB962C8B-B14F-4D97-AF65-F5344CB8AC3E}">
-        <p14:creationId xmlns:p14="http://schemas.microsoft.com/office/powerpoint/2010/main" val="1317988524"/>
-      </p:ext>
-    </p:extLst>
-  </p:cSld>
-  <p:clrMapOvr>
-    <a:masterClrMapping/>
-  </p:clrMapOvr>
-</p:sld>
-</file>
-
-<file path=ppt/slides/slide4.xml><?xml version="1.0" encoding="utf-8"?>
-<p:sld xmlns:a="http://schemas.openxmlformats.org/drawingml/2006/main" xmlns:r="http://schemas.openxmlformats.org/officeDocument/2006/relationships" xmlns:p="http://schemas.openxmlformats.org/presentationml/2006/main">
-  <p:cSld>
-    <p:spTree>
-      <p:nvGrpSpPr>
-        <p:cNvPr id="1" name=""/>
-        <p:cNvGrpSpPr/>
-        <p:nvPr/>
-      </p:nvGrpSpPr>
-      <p:grpSpPr>
-        <a:xfrm>
-          <a:off x="0" y="0"/>
-          <a:ext cx="0" cy="0"/>
-          <a:chOff x="0" y="0"/>
-          <a:chExt cx="0" cy="0"/>
-        </a:xfrm>
-      </p:grpSpPr>
       <p:pic>
         <p:nvPicPr>
           <p:cNvPr id="3080" name="Picture 8" descr="Image result for stock market">
@@ -7004,229 +6812,7 @@
 </p:sld>
 </file>
 
-<file path=ppt/slides/slide5.xml><?xml version="1.0" encoding="utf-8"?>
-<p:sld xmlns:a="http://schemas.openxmlformats.org/drawingml/2006/main" xmlns:r="http://schemas.openxmlformats.org/officeDocument/2006/relationships" xmlns:p="http://schemas.openxmlformats.org/presentationml/2006/main">
-  <p:cSld>
-    <p:spTree>
-      <p:nvGrpSpPr>
-        <p:cNvPr id="1" name=""/>
-        <p:cNvGrpSpPr/>
-        <p:nvPr/>
-      </p:nvGrpSpPr>
-      <p:grpSpPr>
-        <a:xfrm>
-          <a:off x="0" y="0"/>
-          <a:ext cx="0" cy="0"/>
-          <a:chOff x="0" y="0"/>
-          <a:chExt cx="0" cy="0"/>
-        </a:xfrm>
-      </p:grpSpPr>
-      <p:sp>
-        <p:nvSpPr>
-          <p:cNvPr id="2" name="Title 1">
-            <a:extLst>
-              <a:ext uri="{FF2B5EF4-FFF2-40B4-BE49-F238E27FC236}">
-                <a16:creationId xmlns:a16="http://schemas.microsoft.com/office/drawing/2014/main" id="{F0BF8F58-4742-427A-BF9B-343E5B6D0743}"/>
-              </a:ext>
-            </a:extLst>
-          </p:cNvPr>
-          <p:cNvSpPr>
-            <a:spLocks noGrp="1"/>
-          </p:cNvSpPr>
-          <p:nvPr>
-            <p:ph type="title"/>
-          </p:nvPr>
-        </p:nvSpPr>
-        <p:spPr/>
-        <p:txBody>
-          <a:bodyPr/>
-          <a:lstStyle/>
-          <a:p>
-            <a:r>
-              <a:rPr lang="en-US" dirty="0"/>
-              <a:t>Analysis</a:t>
-            </a:r>
-            <a:endParaRPr lang="en-CA" dirty="0"/>
-          </a:p>
-        </p:txBody>
-      </p:sp>
-      <p:sp>
-        <p:nvSpPr>
-          <p:cNvPr id="3" name="Content Placeholder 2">
-            <a:extLst>
-              <a:ext uri="{FF2B5EF4-FFF2-40B4-BE49-F238E27FC236}">
-                <a16:creationId xmlns:a16="http://schemas.microsoft.com/office/drawing/2014/main" id="{CD706CF2-AD08-4E33-919E-438078E89917}"/>
-              </a:ext>
-            </a:extLst>
-          </p:cNvPr>
-          <p:cNvSpPr>
-            <a:spLocks noGrp="1"/>
-          </p:cNvSpPr>
-          <p:nvPr>
-            <p:ph idx="1"/>
-          </p:nvPr>
-        </p:nvSpPr>
-        <p:spPr/>
-        <p:txBody>
-          <a:bodyPr/>
-          <a:lstStyle/>
-          <a:p>
-            <a:r>
-              <a:rPr lang="en-US" dirty="0"/>
-              <a:t>We observed an overall correlation of 0.28, which shows a positive correlation between the two variables, but it is weak and not of any significant importance.</a:t>
-            </a:r>
-          </a:p>
-          <a:p>
-            <a:r>
-              <a:rPr lang="en-CA" dirty="0"/>
-              <a:t>Positive correlation indicates that sales growth is a good starting point to determine stock market value growth</a:t>
-            </a:r>
-          </a:p>
-          <a:p>
-            <a:pPr lvl="1"/>
-            <a:r>
-              <a:rPr lang="en-CA" dirty="0"/>
-              <a:t>Every company has a common goal of attempting to Sell a product/service with more volume and price </a:t>
-            </a:r>
-          </a:p>
-          <a:p>
-            <a:pPr lvl="1"/>
-            <a:r>
-              <a:rPr lang="en-CA" dirty="0"/>
-              <a:t>A company similar to an organism is quite complex and many other variables may impact the stock market value </a:t>
-            </a:r>
-          </a:p>
-          <a:p>
-            <a:pPr lvl="1"/>
-            <a:r>
-              <a:rPr lang="en-CA" dirty="0"/>
-              <a:t>The recent time period shows how the market value is changing very rapidly with market participants estimating what the future financial results will be</a:t>
-            </a:r>
-          </a:p>
-          <a:p>
-            <a:endParaRPr lang="en-US" dirty="0"/>
-          </a:p>
-          <a:p>
-            <a:endParaRPr lang="en-CA" dirty="0"/>
-          </a:p>
-        </p:txBody>
-      </p:sp>
-    </p:spTree>
-    <p:extLst>
-      <p:ext uri="{BB962C8B-B14F-4D97-AF65-F5344CB8AC3E}">
-        <p14:creationId xmlns:p14="http://schemas.microsoft.com/office/powerpoint/2010/main" val="2189861596"/>
-      </p:ext>
-    </p:extLst>
-  </p:cSld>
-  <p:clrMapOvr>
-    <a:masterClrMapping/>
-  </p:clrMapOvr>
-</p:sld>
-</file>
-
-<file path=ppt/slides/slide6.xml><?xml version="1.0" encoding="utf-8"?>
-<p:sld xmlns:a="http://schemas.openxmlformats.org/drawingml/2006/main" xmlns:r="http://schemas.openxmlformats.org/officeDocument/2006/relationships" xmlns:p="http://schemas.openxmlformats.org/presentationml/2006/main">
-  <p:cSld>
-    <p:spTree>
-      <p:nvGrpSpPr>
-        <p:cNvPr id="1" name=""/>
-        <p:cNvGrpSpPr/>
-        <p:nvPr/>
-      </p:nvGrpSpPr>
-      <p:grpSpPr>
-        <a:xfrm>
-          <a:off x="0" y="0"/>
-          <a:ext cx="0" cy="0"/>
-          <a:chOff x="0" y="0"/>
-          <a:chExt cx="0" cy="0"/>
-        </a:xfrm>
-      </p:grpSpPr>
-      <p:sp>
-        <p:nvSpPr>
-          <p:cNvPr id="2" name="Title 1">
-            <a:extLst>
-              <a:ext uri="{FF2B5EF4-FFF2-40B4-BE49-F238E27FC236}">
-                <a16:creationId xmlns:a16="http://schemas.microsoft.com/office/drawing/2014/main" id="{B77D265C-2A37-4A59-84FA-DBF8756CBD93}"/>
-              </a:ext>
-            </a:extLst>
-          </p:cNvPr>
-          <p:cNvSpPr>
-            <a:spLocks noGrp="1"/>
-          </p:cNvSpPr>
-          <p:nvPr>
-            <p:ph type="title"/>
-          </p:nvPr>
-        </p:nvSpPr>
-        <p:spPr/>
-        <p:txBody>
-          <a:bodyPr/>
-          <a:lstStyle/>
-          <a:p>
-            <a:r>
-              <a:rPr lang="en-US" dirty="0"/>
-              <a:t>Analysis by Market Sector</a:t>
-            </a:r>
-            <a:endParaRPr lang="en-CA" dirty="0"/>
-          </a:p>
-        </p:txBody>
-      </p:sp>
-      <p:sp>
-        <p:nvSpPr>
-          <p:cNvPr id="3" name="Content Placeholder 2">
-            <a:extLst>
-              <a:ext uri="{FF2B5EF4-FFF2-40B4-BE49-F238E27FC236}">
-                <a16:creationId xmlns:a16="http://schemas.microsoft.com/office/drawing/2014/main" id="{A03AAC99-47D2-41EC-BB92-D335AA61EB2C}"/>
-              </a:ext>
-            </a:extLst>
-          </p:cNvPr>
-          <p:cNvSpPr>
-            <a:spLocks noGrp="1"/>
-          </p:cNvSpPr>
-          <p:nvPr>
-            <p:ph idx="1"/>
-          </p:nvPr>
-        </p:nvSpPr>
-        <p:spPr/>
-        <p:txBody>
-          <a:bodyPr/>
-          <a:lstStyle/>
-          <a:p>
-            <a:r>
-              <a:rPr lang="en-US" dirty="0"/>
-              <a:t>For this analysis, the same two variables were calculated for each of the 11 market sectors (Global Industry Classification Standard) in the dataset</a:t>
-            </a:r>
-          </a:p>
-          <a:p>
-            <a:r>
-              <a:rPr lang="en-CA" dirty="0"/>
-              <a:t>Scatterplots were created including the linear regression model. See Figure 2.</a:t>
-            </a:r>
-          </a:p>
-          <a:p>
-            <a:endParaRPr lang="en-CA" dirty="0"/>
-          </a:p>
-          <a:p>
-            <a:pPr marL="0" indent="0">
-              <a:buNone/>
-            </a:pPr>
-            <a:endParaRPr lang="en-CA" dirty="0"/>
-          </a:p>
-        </p:txBody>
-      </p:sp>
-    </p:spTree>
-    <p:extLst>
-      <p:ext uri="{BB962C8B-B14F-4D97-AF65-F5344CB8AC3E}">
-        <p14:creationId xmlns:p14="http://schemas.microsoft.com/office/powerpoint/2010/main" val="2579587277"/>
-      </p:ext>
-    </p:extLst>
-  </p:cSld>
-  <p:clrMapOvr>
-    <a:masterClrMapping/>
-  </p:clrMapOvr>
-</p:sld>
-</file>
-
-<file path=ppt/slides/slide7.xml><?xml version="1.0" encoding="utf-8"?>
+<file path=ppt/slides/slide4.xml><?xml version="1.0" encoding="utf-8"?>
 <p:sld xmlns:a="http://schemas.openxmlformats.org/drawingml/2006/main" xmlns:r="http://schemas.openxmlformats.org/officeDocument/2006/relationships" xmlns:p="http://schemas.openxmlformats.org/presentationml/2006/main">
   <p:cSld>
     <p:spTree>
@@ -7723,6 +7309,529 @@
 </p:sld>
 </file>
 
+<file path=ppt/slides/slide5.xml><?xml version="1.0" encoding="utf-8"?>
+<p:sld xmlns:a="http://schemas.openxmlformats.org/drawingml/2006/main" xmlns:r="http://schemas.openxmlformats.org/officeDocument/2006/relationships" xmlns:p="http://schemas.openxmlformats.org/presentationml/2006/main">
+  <p:cSld>
+    <p:spTree>
+      <p:nvGrpSpPr>
+        <p:cNvPr id="1" name=""/>
+        <p:cNvGrpSpPr/>
+        <p:nvPr/>
+      </p:nvGrpSpPr>
+      <p:grpSpPr>
+        <a:xfrm>
+          <a:off x="0" y="0"/>
+          <a:ext cx="0" cy="0"/>
+          <a:chOff x="0" y="0"/>
+          <a:chExt cx="0" cy="0"/>
+        </a:xfrm>
+      </p:grpSpPr>
+      <p:pic>
+        <p:nvPicPr>
+          <p:cNvPr id="5124" name="Picture 4" descr="Image result for stock market">
+            <a:extLst>
+              <a:ext uri="{FF2B5EF4-FFF2-40B4-BE49-F238E27FC236}">
+                <a16:creationId xmlns:a16="http://schemas.microsoft.com/office/drawing/2014/main" id="{F16A6DE8-BD64-4857-863F-484BA46E6B48}"/>
+              </a:ext>
+            </a:extLst>
+          </p:cNvPr>
+          <p:cNvPicPr>
+            <a:picLocks noChangeAspect="1" noChangeArrowheads="1"/>
+          </p:cNvPicPr>
+          <p:nvPr/>
+        </p:nvPicPr>
+        <p:blipFill>
+          <a:blip r:embed="rId2">
+            <a:extLst>
+              <a:ext uri="{28A0092B-C50C-407E-A947-70E740481C1C}">
+                <a14:useLocalDpi xmlns:a14="http://schemas.microsoft.com/office/drawing/2010/main" val="0"/>
+              </a:ext>
+            </a:extLst>
+          </a:blip>
+          <a:srcRect/>
+          <a:stretch>
+            <a:fillRect/>
+          </a:stretch>
+        </p:blipFill>
+        <p:spPr bwMode="auto">
+          <a:xfrm>
+            <a:off x="0" y="0"/>
+            <a:ext cx="12192000" cy="6858000"/>
+          </a:xfrm>
+          <a:prstGeom prst="rect">
+            <a:avLst/>
+          </a:prstGeom>
+          <a:noFill/>
+          <a:extLst>
+            <a:ext uri="{909E8E84-426E-40DD-AFC4-6F175D3DCCD1}">
+              <a14:hiddenFill xmlns:a14="http://schemas.microsoft.com/office/drawing/2010/main">
+                <a:solidFill>
+                  <a:srgbClr val="FFFFFF"/>
+                </a:solidFill>
+              </a14:hiddenFill>
+            </a:ext>
+          </a:extLst>
+        </p:spPr>
+      </p:pic>
+      <p:sp>
+        <p:nvSpPr>
+          <p:cNvPr id="9" name="TextBox 8">
+            <a:extLst>
+              <a:ext uri="{FF2B5EF4-FFF2-40B4-BE49-F238E27FC236}">
+                <a16:creationId xmlns:a16="http://schemas.microsoft.com/office/drawing/2014/main" id="{0D8E630C-BEDA-4CC3-845A-F8FED55B5A96}"/>
+              </a:ext>
+            </a:extLst>
+          </p:cNvPr>
+          <p:cNvSpPr txBox="1"/>
+          <p:nvPr/>
+        </p:nvSpPr>
+        <p:spPr>
+          <a:xfrm>
+            <a:off x="314325" y="219075"/>
+            <a:ext cx="3657600" cy="584775"/>
+          </a:xfrm>
+          <a:prstGeom prst="rect">
+            <a:avLst/>
+          </a:prstGeom>
+          <a:noFill/>
+        </p:spPr>
+        <p:txBody>
+          <a:bodyPr wrap="square" rtlCol="0">
+            <a:spAutoFit/>
+          </a:bodyPr>
+          <a:lstStyle/>
+          <a:p>
+            <a:r>
+              <a:rPr lang="en-CA" sz="3200" dirty="0">
+                <a:solidFill>
+                  <a:schemeClr val="bg1"/>
+                </a:solidFill>
+                <a:latin typeface="Agency FB" panose="020B0503020202020204" pitchFamily="34" charset="0"/>
+              </a:rPr>
+              <a:t>Incomplete Story</a:t>
+            </a:r>
+            <a:endParaRPr lang="en-CA" dirty="0">
+              <a:solidFill>
+                <a:schemeClr val="bg1"/>
+              </a:solidFill>
+              <a:latin typeface="Agency FB" panose="020B0503020202020204" pitchFamily="34" charset="0"/>
+            </a:endParaRPr>
+          </a:p>
+        </p:txBody>
+      </p:sp>
+      <p:sp>
+        <p:nvSpPr>
+          <p:cNvPr id="7" name="TextBox 6">
+            <a:extLst>
+              <a:ext uri="{FF2B5EF4-FFF2-40B4-BE49-F238E27FC236}">
+                <a16:creationId xmlns:a16="http://schemas.microsoft.com/office/drawing/2014/main" id="{A8734A5E-17F9-41E5-8128-B418A975585A}"/>
+              </a:ext>
+            </a:extLst>
+          </p:cNvPr>
+          <p:cNvSpPr txBox="1"/>
+          <p:nvPr/>
+        </p:nvSpPr>
+        <p:spPr>
+          <a:xfrm>
+            <a:off x="212863" y="1171574"/>
+            <a:ext cx="10322615" cy="3477875"/>
+          </a:xfrm>
+          <a:prstGeom prst="rect">
+            <a:avLst/>
+          </a:prstGeom>
+          <a:noFill/>
+        </p:spPr>
+        <p:txBody>
+          <a:bodyPr wrap="square" rtlCol="0">
+            <a:spAutoFit/>
+          </a:bodyPr>
+          <a:lstStyle/>
+          <a:p>
+            <a:r>
+              <a:rPr lang="en-CA" sz="2000" dirty="0">
+                <a:solidFill>
+                  <a:schemeClr val="bg1"/>
+                </a:solidFill>
+                <a:latin typeface="Agency FB" panose="020B0503020202020204" pitchFamily="34" charset="0"/>
+              </a:rPr>
+              <a:t>Effect of other untested factors</a:t>
+            </a:r>
+          </a:p>
+          <a:p>
+            <a:pPr lvl="1"/>
+            <a:r>
+              <a:rPr lang="en-CA" sz="2000" dirty="0">
+                <a:solidFill>
+                  <a:schemeClr val="bg1"/>
+                </a:solidFill>
+                <a:latin typeface="Agency FB" panose="020B0503020202020204" pitchFamily="34" charset="0"/>
+              </a:rPr>
+              <a:t>Mergers &amp; Acquisitions</a:t>
+            </a:r>
+          </a:p>
+          <a:p>
+            <a:pPr lvl="1"/>
+            <a:r>
+              <a:rPr lang="en-CA" sz="2000" dirty="0">
+                <a:solidFill>
+                  <a:schemeClr val="bg1"/>
+                </a:solidFill>
+                <a:latin typeface="Agency FB" panose="020B0503020202020204" pitchFamily="34" charset="0"/>
+              </a:rPr>
+              <a:t>Political Events</a:t>
+            </a:r>
+          </a:p>
+          <a:p>
+            <a:pPr lvl="1"/>
+            <a:r>
+              <a:rPr lang="en-CA" sz="2000" dirty="0">
+                <a:solidFill>
+                  <a:schemeClr val="bg1"/>
+                </a:solidFill>
+                <a:latin typeface="Agency FB" panose="020B0503020202020204" pitchFamily="34" charset="0"/>
+              </a:rPr>
+              <a:t>Natural Disasters and Epidemics</a:t>
+            </a:r>
+          </a:p>
+          <a:p>
+            <a:pPr lvl="1"/>
+            <a:endParaRPr lang="en-CA" sz="2000" dirty="0">
+              <a:solidFill>
+                <a:schemeClr val="bg1"/>
+              </a:solidFill>
+              <a:latin typeface="Agency FB" panose="020B0503020202020204" pitchFamily="34" charset="0"/>
+            </a:endParaRPr>
+          </a:p>
+          <a:p>
+            <a:endParaRPr lang="en-CA" sz="2000" dirty="0">
+              <a:solidFill>
+                <a:schemeClr val="bg1"/>
+              </a:solidFill>
+              <a:latin typeface="Agency FB" panose="020B0503020202020204" pitchFamily="34" charset="0"/>
+            </a:endParaRPr>
+          </a:p>
+          <a:p>
+            <a:r>
+              <a:rPr lang="en-CA" sz="2000" dirty="0">
+                <a:solidFill>
+                  <a:schemeClr val="bg1"/>
+                </a:solidFill>
+                <a:latin typeface="Agency FB" panose="020B0503020202020204" pitchFamily="34" charset="0"/>
+              </a:rPr>
+              <a:t>Correlation vs causation</a:t>
+            </a:r>
+          </a:p>
+          <a:p>
+            <a:r>
+              <a:rPr lang="en-CA" sz="2000" dirty="0">
+                <a:solidFill>
+                  <a:schemeClr val="bg1"/>
+                </a:solidFill>
+                <a:latin typeface="Agency FB" panose="020B0503020202020204" pitchFamily="34" charset="0"/>
+              </a:rPr>
+              <a:t>	</a:t>
+            </a:r>
+          </a:p>
+          <a:p>
+            <a:endParaRPr lang="en-CA" sz="2000" dirty="0">
+              <a:solidFill>
+                <a:schemeClr val="bg1"/>
+              </a:solidFill>
+              <a:latin typeface="Agency FB" panose="020B0503020202020204" pitchFamily="34" charset="0"/>
+            </a:endParaRPr>
+          </a:p>
+          <a:p>
+            <a:r>
+              <a:rPr lang="en-CA" sz="2000" dirty="0">
+                <a:solidFill>
+                  <a:schemeClr val="bg1"/>
+                </a:solidFill>
+                <a:latin typeface="Agency FB" panose="020B0503020202020204" pitchFamily="34" charset="0"/>
+              </a:rPr>
+              <a:t>Practicality</a:t>
+            </a:r>
+          </a:p>
+          <a:p>
+            <a:endParaRPr lang="en-CA" sz="2000" dirty="0">
+              <a:solidFill>
+                <a:schemeClr val="bg1"/>
+              </a:solidFill>
+              <a:latin typeface="Agency FB" panose="020B0503020202020204" pitchFamily="34" charset="0"/>
+            </a:endParaRPr>
+          </a:p>
+        </p:txBody>
+      </p:sp>
+    </p:spTree>
+    <p:extLst>
+      <p:ext uri="{BB962C8B-B14F-4D97-AF65-F5344CB8AC3E}">
+        <p14:creationId xmlns:p14="http://schemas.microsoft.com/office/powerpoint/2010/main" val="1496373656"/>
+      </p:ext>
+    </p:extLst>
+  </p:cSld>
+  <p:clrMapOvr>
+    <a:masterClrMapping/>
+  </p:clrMapOvr>
+</p:sld>
+</file>
+
+<file path=ppt/slides/slide6.xml><?xml version="1.0" encoding="utf-8"?>
+<p:sld xmlns:a="http://schemas.openxmlformats.org/drawingml/2006/main" xmlns:r="http://schemas.openxmlformats.org/officeDocument/2006/relationships" xmlns:p="http://schemas.openxmlformats.org/presentationml/2006/main">
+  <p:cSld>
+    <p:spTree>
+      <p:nvGrpSpPr>
+        <p:cNvPr id="1" name=""/>
+        <p:cNvGrpSpPr/>
+        <p:nvPr/>
+      </p:nvGrpSpPr>
+      <p:grpSpPr>
+        <a:xfrm>
+          <a:off x="0" y="0"/>
+          <a:ext cx="0" cy="0"/>
+          <a:chOff x="0" y="0"/>
+          <a:chExt cx="0" cy="0"/>
+        </a:xfrm>
+      </p:grpSpPr>
+      <p:pic>
+        <p:nvPicPr>
+          <p:cNvPr id="1026" name="Picture 2" descr="Image result for stock market">
+            <a:extLst>
+              <a:ext uri="{FF2B5EF4-FFF2-40B4-BE49-F238E27FC236}">
+                <a16:creationId xmlns:a16="http://schemas.microsoft.com/office/drawing/2014/main" id="{A6A5B794-B037-467B-91AD-6796D6FFAABE}"/>
+              </a:ext>
+            </a:extLst>
+          </p:cNvPr>
+          <p:cNvPicPr>
+            <a:picLocks noChangeAspect="1" noChangeArrowheads="1"/>
+          </p:cNvPicPr>
+          <p:nvPr/>
+        </p:nvPicPr>
+        <p:blipFill>
+          <a:blip r:embed="rId2">
+            <a:extLst>
+              <a:ext uri="{28A0092B-C50C-407E-A947-70E740481C1C}">
+                <a14:useLocalDpi xmlns:a14="http://schemas.microsoft.com/office/drawing/2010/main" val="0"/>
+              </a:ext>
+            </a:extLst>
+          </a:blip>
+          <a:srcRect/>
+          <a:stretch>
+            <a:fillRect/>
+          </a:stretch>
+        </p:blipFill>
+        <p:spPr bwMode="auto">
+          <a:xfrm>
+            <a:off x="0" y="0"/>
+            <a:ext cx="12192000" cy="6858000"/>
+          </a:xfrm>
+          <a:prstGeom prst="rect">
+            <a:avLst/>
+          </a:prstGeom>
+          <a:noFill/>
+          <a:extLst>
+            <a:ext uri="{909E8E84-426E-40DD-AFC4-6F175D3DCCD1}">
+              <a14:hiddenFill xmlns:a14="http://schemas.microsoft.com/office/drawing/2010/main">
+                <a:solidFill>
+                  <a:srgbClr val="FFFFFF"/>
+                </a:solidFill>
+              </a14:hiddenFill>
+            </a:ext>
+          </a:extLst>
+        </p:spPr>
+      </p:pic>
+      <p:sp>
+        <p:nvSpPr>
+          <p:cNvPr id="5" name="TextBox 4">
+            <a:extLst>
+              <a:ext uri="{FF2B5EF4-FFF2-40B4-BE49-F238E27FC236}">
+                <a16:creationId xmlns:a16="http://schemas.microsoft.com/office/drawing/2014/main" id="{5387BBA1-C7E5-42C2-9CB8-00BF9DE96482}"/>
+              </a:ext>
+            </a:extLst>
+          </p:cNvPr>
+          <p:cNvSpPr txBox="1"/>
+          <p:nvPr/>
+        </p:nvSpPr>
+        <p:spPr>
+          <a:xfrm>
+            <a:off x="314325" y="219075"/>
+            <a:ext cx="3657600" cy="584775"/>
+          </a:xfrm>
+          <a:prstGeom prst="rect">
+            <a:avLst/>
+          </a:prstGeom>
+          <a:noFill/>
+        </p:spPr>
+        <p:txBody>
+          <a:bodyPr wrap="square" rtlCol="0">
+            <a:spAutoFit/>
+          </a:bodyPr>
+          <a:lstStyle/>
+          <a:p>
+            <a:r>
+              <a:rPr lang="en-CA" sz="3200" dirty="0">
+                <a:solidFill>
+                  <a:schemeClr val="bg1"/>
+                </a:solidFill>
+                <a:latin typeface="Agency FB" panose="020B0503020202020204" pitchFamily="34" charset="0"/>
+              </a:rPr>
+              <a:t>Appendix</a:t>
+            </a:r>
+            <a:endParaRPr lang="en-CA" dirty="0">
+              <a:solidFill>
+                <a:schemeClr val="bg1"/>
+              </a:solidFill>
+              <a:latin typeface="Agency FB" panose="020B0503020202020204" pitchFamily="34" charset="0"/>
+            </a:endParaRPr>
+          </a:p>
+        </p:txBody>
+      </p:sp>
+    </p:spTree>
+    <p:extLst>
+      <p:ext uri="{BB962C8B-B14F-4D97-AF65-F5344CB8AC3E}">
+        <p14:creationId xmlns:p14="http://schemas.microsoft.com/office/powerpoint/2010/main" val="2021544837"/>
+      </p:ext>
+    </p:extLst>
+  </p:cSld>
+  <p:clrMapOvr>
+    <a:masterClrMapping/>
+  </p:clrMapOvr>
+</p:sld>
+</file>
+
+<file path=ppt/slides/slide7.xml><?xml version="1.0" encoding="utf-8"?>
+<p:sld xmlns:a="http://schemas.openxmlformats.org/drawingml/2006/main" xmlns:r="http://schemas.openxmlformats.org/officeDocument/2006/relationships" xmlns:p="http://schemas.openxmlformats.org/presentationml/2006/main">
+  <p:cSld>
+    <p:spTree>
+      <p:nvGrpSpPr>
+        <p:cNvPr id="1" name=""/>
+        <p:cNvGrpSpPr/>
+        <p:nvPr/>
+      </p:nvGrpSpPr>
+      <p:grpSpPr>
+        <a:xfrm>
+          <a:off x="0" y="0"/>
+          <a:ext cx="0" cy="0"/>
+          <a:chOff x="0" y="0"/>
+          <a:chExt cx="0" cy="0"/>
+        </a:xfrm>
+      </p:grpSpPr>
+      <p:sp>
+        <p:nvSpPr>
+          <p:cNvPr id="2" name="Title 1">
+            <a:extLst>
+              <a:ext uri="{FF2B5EF4-FFF2-40B4-BE49-F238E27FC236}">
+                <a16:creationId xmlns:a16="http://schemas.microsoft.com/office/drawing/2014/main" id="{725FC834-0270-4661-873D-1F1E516A47A2}"/>
+              </a:ext>
+            </a:extLst>
+          </p:cNvPr>
+          <p:cNvSpPr>
+            <a:spLocks noGrp="1"/>
+          </p:cNvSpPr>
+          <p:nvPr>
+            <p:ph type="title"/>
+          </p:nvPr>
+        </p:nvSpPr>
+        <p:spPr>
+          <a:xfrm>
+            <a:off x="838200" y="365126"/>
+            <a:ext cx="10515600" cy="920336"/>
+          </a:xfrm>
+        </p:spPr>
+        <p:txBody>
+          <a:bodyPr/>
+          <a:lstStyle/>
+          <a:p>
+            <a:r>
+              <a:rPr lang="en-US" dirty="0"/>
+              <a:t>Data Collection and Processing</a:t>
+            </a:r>
+            <a:endParaRPr lang="en-CA" dirty="0"/>
+          </a:p>
+        </p:txBody>
+      </p:sp>
+      <p:sp>
+        <p:nvSpPr>
+          <p:cNvPr id="3" name="Content Placeholder 2">
+            <a:extLst>
+              <a:ext uri="{FF2B5EF4-FFF2-40B4-BE49-F238E27FC236}">
+                <a16:creationId xmlns:a16="http://schemas.microsoft.com/office/drawing/2014/main" id="{3B43D2E0-0789-48A5-BBD8-A581C59753AE}"/>
+              </a:ext>
+            </a:extLst>
+          </p:cNvPr>
+          <p:cNvSpPr>
+            <a:spLocks noGrp="1"/>
+          </p:cNvSpPr>
+          <p:nvPr>
+            <p:ph idx="1"/>
+          </p:nvPr>
+        </p:nvSpPr>
+        <p:spPr/>
+        <p:txBody>
+          <a:bodyPr>
+            <a:normAutofit fontScale="92500" lnSpcReduction="20000"/>
+          </a:bodyPr>
+          <a:lstStyle/>
+          <a:p>
+            <a:r>
+              <a:rPr lang="en-US" dirty="0"/>
+              <a:t>Data used for this analysis consisted:</a:t>
+            </a:r>
+          </a:p>
+          <a:p>
+            <a:pPr lvl="1"/>
+            <a:r>
+              <a:rPr lang="en-US" dirty="0"/>
+              <a:t>A csv file of stock code, company name, quarterly sales, and quarterly market value from March 2007 to September 2018</a:t>
+            </a:r>
+          </a:p>
+          <a:p>
+            <a:pPr lvl="1"/>
+            <a:r>
+              <a:rPr lang="en-US" dirty="0"/>
+              <a:t>A csv file of stock code, company name, and stock sector/industry</a:t>
+            </a:r>
+          </a:p>
+          <a:p>
+            <a:r>
+              <a:rPr lang="en-US" dirty="0"/>
+              <a:t>The two files were joined and rows with null or empty values for any of the financial data points were removed</a:t>
+            </a:r>
+          </a:p>
+          <a:p>
+            <a:r>
+              <a:rPr lang="en-US" dirty="0"/>
+              <a:t>Company sales growth (%) quarter-over-quarter, and year-over-year were calculated and added as columns to the source file</a:t>
+            </a:r>
+          </a:p>
+          <a:p>
+            <a:r>
+              <a:rPr lang="en-US" dirty="0"/>
+              <a:t>Company market value growth (%) quarter-over-quarter and year-over-year were calculated and added as columns to the source file</a:t>
+            </a:r>
+          </a:p>
+          <a:p>
+            <a:r>
+              <a:rPr lang="en-US" dirty="0"/>
+              <a:t>A scatter plot was created to show whether there is any correlation between the growth of company sales to their growth of market value. See Figure 1.</a:t>
+            </a:r>
+          </a:p>
+          <a:p>
+            <a:endParaRPr lang="en-CA" dirty="0"/>
+          </a:p>
+        </p:txBody>
+      </p:sp>
+    </p:spTree>
+    <p:extLst>
+      <p:ext uri="{BB962C8B-B14F-4D97-AF65-F5344CB8AC3E}">
+        <p14:creationId xmlns:p14="http://schemas.microsoft.com/office/powerpoint/2010/main" val="1317988524"/>
+      </p:ext>
+    </p:extLst>
+  </p:cSld>
+  <p:clrMapOvr>
+    <a:masterClrMapping/>
+  </p:clrMapOvr>
+</p:sld>
+</file>
+
 <file path=ppt/slides/slide8.xml><?xml version="1.0" encoding="utf-8"?>
 <p:sld xmlns:a="http://schemas.openxmlformats.org/drawingml/2006/main" xmlns:r="http://schemas.openxmlformats.org/officeDocument/2006/relationships" xmlns:p="http://schemas.openxmlformats.org/presentationml/2006/main">
   <p:cSld>
@@ -7745,7 +7854,7 @@
           <p:cNvPr id="2" name="Title 1">
             <a:extLst>
               <a:ext uri="{FF2B5EF4-FFF2-40B4-BE49-F238E27FC236}">
-                <a16:creationId xmlns:a16="http://schemas.microsoft.com/office/drawing/2014/main" id="{B8507890-5BD9-47E9-88AA-9CA28A356A96}"/>
+                <a16:creationId xmlns:a16="http://schemas.microsoft.com/office/drawing/2014/main" id="{F0BF8F58-4742-427A-BF9B-343E5B6D0743}"/>
               </a:ext>
             </a:extLst>
           </p:cNvPr>
@@ -7763,7 +7872,7 @@
           <a:p>
             <a:r>
               <a:rPr lang="en-US" dirty="0"/>
-              <a:t>Market Sector - Key Findings</a:t>
+              <a:t>Analysis</a:t>
             </a:r>
             <a:endParaRPr lang="en-CA" dirty="0"/>
           </a:p>
@@ -7774,7 +7883,7 @@
           <p:cNvPr id="3" name="Content Placeholder 2">
             <a:extLst>
               <a:ext uri="{FF2B5EF4-FFF2-40B4-BE49-F238E27FC236}">
-                <a16:creationId xmlns:a16="http://schemas.microsoft.com/office/drawing/2014/main" id="{4385BF05-AC51-4AF2-8C11-45D05A553CB1}"/>
+                <a16:creationId xmlns:a16="http://schemas.microsoft.com/office/drawing/2014/main" id="{CD706CF2-AD08-4E33-919E-438078E89917}"/>
               </a:ext>
             </a:extLst>
           </p:cNvPr>
@@ -7787,33 +7896,41 @@
         </p:nvSpPr>
         <p:spPr/>
         <p:txBody>
-          <a:bodyPr>
-            <a:normAutofit/>
-          </a:bodyPr>
+          <a:bodyPr/>
           <a:lstStyle/>
           <a:p>
             <a:r>
+              <a:rPr lang="en-US" dirty="0"/>
+              <a:t>We observed an overall correlation of 0.28, which shows a positive correlation between the two variables.  </a:t>
+            </a:r>
+            <a:r>
               <a:rPr lang="en-CA" dirty="0"/>
-              <a:t>Energy (0.36) and Material (0.36) Sector correlation are higher as sales growth are driven by their respective commodity prices (Oil and Gold), which are traded daily in markets and which Financial Market Participants can value before financial results are reported.</a:t>
-            </a:r>
-          </a:p>
-          <a:p>
+              <a:t>Positive correlation indicates that sales growth is a good starting point to determine stock market value growth</a:t>
+            </a:r>
+          </a:p>
+          <a:p>
+            <a:pPr lvl="1"/>
             <a:r>
               <a:rPr lang="en-CA" dirty="0"/>
-              <a:t>The Real Estate Sector has the lowest correlation (0.14) as Real Estate is valued by market participants by NAV (Net Asset Value Per Share) due to share dilution </a:t>
-            </a:r>
-          </a:p>
-          <a:p>
+              <a:t>Every company has a common goal of attempting to Sell a product/service with more volume and price </a:t>
+            </a:r>
+          </a:p>
+          <a:p>
+            <a:pPr lvl="1"/>
             <a:r>
               <a:rPr lang="en-CA" dirty="0"/>
-              <a:t>The Utilities Sector also has a lower correlation (0.23) as sales are fixed due to the regulated nature of the business sector.  </a:t>
-            </a:r>
-          </a:p>
-          <a:p>
-            <a:endParaRPr lang="en-CA" dirty="0"/>
-          </a:p>
-          <a:p>
-            <a:endParaRPr lang="en-CA" dirty="0"/>
+              <a:t>A company similar to an organism is quite complex and many other variables may impact the stock market value </a:t>
+            </a:r>
+          </a:p>
+          <a:p>
+            <a:pPr lvl="1"/>
+            <a:r>
+              <a:rPr lang="en-CA" dirty="0"/>
+              <a:t>The recent time period shows how the market value is changing very rapidly with market participants estimating what the future financial results will be</a:t>
+            </a:r>
+          </a:p>
+          <a:p>
+            <a:endParaRPr lang="en-US" dirty="0"/>
           </a:p>
           <a:p>
             <a:endParaRPr lang="en-CA" dirty="0"/>
@@ -7823,7 +7940,7 @@
     </p:spTree>
     <p:extLst>
       <p:ext uri="{BB962C8B-B14F-4D97-AF65-F5344CB8AC3E}">
-        <p14:creationId xmlns:p14="http://schemas.microsoft.com/office/powerpoint/2010/main" val="4150524541"/>
+        <p14:creationId xmlns:p14="http://schemas.microsoft.com/office/powerpoint/2010/main" val="2189861596"/>
       </p:ext>
     </p:extLst>
   </p:cSld>
@@ -7855,7 +7972,7 @@
           <p:cNvPr id="2" name="Title 1">
             <a:extLst>
               <a:ext uri="{FF2B5EF4-FFF2-40B4-BE49-F238E27FC236}">
-                <a16:creationId xmlns:a16="http://schemas.microsoft.com/office/drawing/2014/main" id="{F1AE0E5C-C6E9-4F11-8589-58E8038EAF8D}"/>
+                <a16:creationId xmlns:a16="http://schemas.microsoft.com/office/drawing/2014/main" id="{B77D265C-2A37-4A59-84FA-DBF8756CBD93}"/>
               </a:ext>
             </a:extLst>
           </p:cNvPr>
@@ -7873,7 +7990,7 @@
           <a:p>
             <a:r>
               <a:rPr lang="en-US" dirty="0"/>
-              <a:t>Limitations &amp; Biases</a:t>
+              <a:t>Analysis by Market Sector</a:t>
             </a:r>
             <a:endParaRPr lang="en-CA" dirty="0"/>
           </a:p>
@@ -7884,7 +8001,7 @@
           <p:cNvPr id="3" name="Content Placeholder 2">
             <a:extLst>
               <a:ext uri="{FF2B5EF4-FFF2-40B4-BE49-F238E27FC236}">
-                <a16:creationId xmlns:a16="http://schemas.microsoft.com/office/drawing/2014/main" id="{20517F38-14FD-42F0-A501-EA5F18E92E4F}"/>
+                <a16:creationId xmlns:a16="http://schemas.microsoft.com/office/drawing/2014/main" id="{A03AAC99-47D2-41EC-BB92-D335AA61EB2C}"/>
               </a:ext>
             </a:extLst>
           </p:cNvPr>
@@ -7895,51 +8012,29 @@
             <p:ph idx="1"/>
           </p:nvPr>
         </p:nvSpPr>
-        <p:spPr>
-          <a:xfrm>
-            <a:off x="838200" y="1391478"/>
-            <a:ext cx="10515600" cy="4785485"/>
-          </a:xfrm>
-        </p:spPr>
+        <p:spPr/>
         <p:txBody>
-          <a:bodyPr>
-            <a:normAutofit/>
-          </a:bodyPr>
+          <a:bodyPr/>
           <a:lstStyle/>
           <a:p>
             <a:r>
+              <a:rPr lang="en-US" dirty="0"/>
+              <a:t>For this analysis, the same two variables were calculated for each of the 11 market sectors (Global Industry Classification Standard) in the dataset</a:t>
+            </a:r>
+          </a:p>
+          <a:p>
+            <a:r>
               <a:rPr lang="en-CA" dirty="0"/>
-              <a:t>Stock markets opening in various time zones causes results from end of day in one market to influence decisions made in another market</a:t>
-            </a:r>
-          </a:p>
-          <a:p>
-            <a:r>
-              <a:rPr lang="en-CA" dirty="0"/>
-              <a:t>Fiscal year-end is not consistent across all organizations, and Financial reports are not all released at the same approximate time</a:t>
-            </a:r>
-          </a:p>
-          <a:p>
-            <a:r>
-              <a:rPr lang="en-CA" dirty="0"/>
-              <a:t>We only took stocks traded by one financial institution, so our sample data was slightly biased towards what that particular company trades</a:t>
-            </a:r>
-          </a:p>
-          <a:p>
-            <a:r>
-              <a:rPr lang="en-CA" dirty="0"/>
-              <a:t>We removed companies with incomplete data (not all quarters were available)</a:t>
-            </a:r>
-          </a:p>
-          <a:p>
-            <a:r>
-              <a:rPr lang="en-CA" dirty="0"/>
-              <a:t>We removed companies which reported their Financial in a different month than the Fiscal quarter</a:t>
+              <a:t>Scatterplots were created including the linear regression model. See Figure 2.</a:t>
             </a:r>
           </a:p>
           <a:p>
             <a:endParaRPr lang="en-CA" dirty="0"/>
           </a:p>
           <a:p>
+            <a:pPr marL="0" indent="0">
+              <a:buNone/>
+            </a:pPr>
             <a:endParaRPr lang="en-CA" dirty="0"/>
           </a:p>
         </p:txBody>
@@ -7947,7 +8042,7 @@
     </p:spTree>
     <p:extLst>
       <p:ext uri="{BB962C8B-B14F-4D97-AF65-F5344CB8AC3E}">
-        <p14:creationId xmlns:p14="http://schemas.microsoft.com/office/powerpoint/2010/main" val="148895388"/>
+        <p14:creationId xmlns:p14="http://schemas.microsoft.com/office/powerpoint/2010/main" val="2579587277"/>
       </p:ext>
     </p:extLst>
   </p:cSld>

--- a/Group Project Presentation.pptx
+++ b/Group Project Presentation.pptx
@@ -6789,7 +6789,7 @@
                   <a:schemeClr val="bg1"/>
                 </a:solidFill>
               </a:rPr>
-              <a:t>Figure 1 – Quarterly Sales Growth %) vs. Quarterly Market Value Growth (%)</a:t>
+              <a:t>Figure 1 – Quarterly Sales Growth (%) vs. Quarterly Market Value Growth (%)</a:t>
             </a:r>
             <a:endParaRPr lang="en-CA" b="1" dirty="0">
               <a:solidFill>
@@ -7433,8 +7433,8 @@
         </p:nvSpPr>
         <p:spPr>
           <a:xfrm>
-            <a:off x="212863" y="1171574"/>
-            <a:ext cx="10322615" cy="3477875"/>
+            <a:off x="314325" y="1171574"/>
+            <a:ext cx="10221153" cy="3785652"/>
           </a:xfrm>
           <a:prstGeom prst="rect">
             <a:avLst/>
@@ -7458,6 +7458,14 @@
             </a:r>
           </a:p>
           <a:p>
+            <a:endParaRPr lang="en-CA" sz="2000" dirty="0">
+              <a:solidFill>
+                <a:schemeClr val="bg1"/>
+              </a:solidFill>
+              <a:latin typeface="Agency FB" panose="020B0503020202020204" pitchFamily="34" charset="0"/>
+            </a:endParaRPr>
+          </a:p>
+          <a:p>
             <a:pPr lvl="1"/>
             <a:r>
               <a:rPr lang="en-CA" sz="2000" dirty="0">
@@ -7466,7 +7474,7 @@
                 </a:solidFill>
                 <a:latin typeface="Agency FB" panose="020B0503020202020204" pitchFamily="34" charset="0"/>
               </a:rPr>
-              <a:t>Mergers &amp; Acquisitions</a:t>
+              <a:t>1. Mergers &amp; Acquisitions</a:t>
             </a:r>
           </a:p>
           <a:p>
@@ -7478,7 +7486,7 @@
                 </a:solidFill>
                 <a:latin typeface="Agency FB" panose="020B0503020202020204" pitchFamily="34" charset="0"/>
               </a:rPr>
-              <a:t>Political Events</a:t>
+              <a:t>2. Political Events</a:t>
             </a:r>
           </a:p>
           <a:p>
@@ -7490,7 +7498,7 @@
                 </a:solidFill>
                 <a:latin typeface="Agency FB" panose="020B0503020202020204" pitchFamily="34" charset="0"/>
               </a:rPr>
-              <a:t>Natural Disasters and Epidemics</a:t>
+              <a:t>3. Natural Disasters and Epidemics</a:t>
             </a:r>
           </a:p>
           <a:p>
